--- a/Python Day 2.pptx
+++ b/Python Day 2.pptx
@@ -30,8 +30,8 @@
     <p:sldId id="280" r:id="rId21"/>
     <p:sldId id="279" r:id="rId22"/>
     <p:sldId id="281" r:id="rId23"/>
-    <p:sldId id="282" r:id="rId24"/>
-    <p:sldId id="283" r:id="rId25"/>
+    <p:sldId id="283" r:id="rId24"/>
+    <p:sldId id="284" r:id="rId25"/>
   </p:sldIdLst>
   <p:sldSz cx="9144000" cy="5143500" type="screen16x9"/>
   <p:notesSz cx="6858000" cy="9144000"/>
@@ -2044,7 +2044,7 @@
           <a:p>
             <a:fld id="{4AAD347D-5ACD-4C99-B74B-A9C85AD731AF}" type="datetimeFigureOut">
               <a:rPr lang="en-US" smtClean="0"/>
-              <a:t>2/1/2018</a:t>
+              <a:t>2/3/2018</a:t>
             </a:fld>
             <a:endParaRPr lang="en-US" dirty="0"/>
           </a:p>
@@ -2335,7 +2335,7 @@
           <a:p>
             <a:fld id="{4AAD347D-5ACD-4C99-B74B-A9C85AD731AF}" type="datetimeFigureOut">
               <a:rPr lang="en-US" smtClean="0"/>
-              <a:t>2/1/2018</a:t>
+              <a:t>2/3/2018</a:t>
             </a:fld>
             <a:endParaRPr lang="en-US" dirty="0"/>
           </a:p>
@@ -2537,7 +2537,7 @@
           <a:p>
             <a:fld id="{4AAD347D-5ACD-4C99-B74B-A9C85AD731AF}" type="datetimeFigureOut">
               <a:rPr lang="en-US" smtClean="0"/>
-              <a:t>2/1/2018</a:t>
+              <a:t>2/3/2018</a:t>
             </a:fld>
             <a:endParaRPr lang="en-US" dirty="0"/>
           </a:p>
@@ -2808,7 +2808,7 @@
           <a:p>
             <a:fld id="{4AAD347D-5ACD-4C99-B74B-A9C85AD731AF}" type="datetimeFigureOut">
               <a:rPr lang="en-US" smtClean="0"/>
-              <a:t>2/1/2018</a:t>
+              <a:t>2/3/2018</a:t>
             </a:fld>
             <a:endParaRPr lang="en-US" dirty="0"/>
           </a:p>
@@ -3244,7 +3244,7 @@
           <a:p>
             <a:fld id="{4AAD347D-5ACD-4C99-B74B-A9C85AD731AF}" type="datetimeFigureOut">
               <a:rPr lang="en-US" smtClean="0"/>
-              <a:t>2/1/2018</a:t>
+              <a:t>2/3/2018</a:t>
             </a:fld>
             <a:endParaRPr lang="en-US" dirty="0"/>
           </a:p>
@@ -3800,7 +3800,7 @@
           <a:p>
             <a:fld id="{4AAD347D-5ACD-4C99-B74B-A9C85AD731AF}" type="datetimeFigureOut">
               <a:rPr lang="en-US" smtClean="0"/>
-              <a:t>2/1/2018</a:t>
+              <a:t>2/3/2018</a:t>
             </a:fld>
             <a:endParaRPr lang="en-US" dirty="0"/>
           </a:p>
@@ -4641,7 +4641,7 @@
           <a:p>
             <a:fld id="{4AAD347D-5ACD-4C99-B74B-A9C85AD731AF}" type="datetimeFigureOut">
               <a:rPr lang="en-US" smtClean="0"/>
-              <a:t>2/1/2018</a:t>
+              <a:t>2/3/2018</a:t>
             </a:fld>
             <a:endParaRPr lang="en-US" dirty="0"/>
           </a:p>
@@ -4821,7 +4821,7 @@
           <a:p>
             <a:fld id="{4509A250-FF31-4206-8172-F9D3106AACB1}" type="datetimeFigureOut">
               <a:rPr lang="en-US" smtClean="0"/>
-              <a:t>2/1/2018</a:t>
+              <a:t>2/3/2018</a:t>
             </a:fld>
             <a:endParaRPr lang="en-US" dirty="0"/>
           </a:p>
@@ -5011,7 +5011,7 @@
           <a:p>
             <a:fld id="{4509A250-FF31-4206-8172-F9D3106AACB1}" type="datetimeFigureOut">
               <a:rPr lang="en-US" smtClean="0"/>
-              <a:t>2/1/2018</a:t>
+              <a:t>2/3/2018</a:t>
             </a:fld>
             <a:endParaRPr lang="en-US" dirty="0"/>
           </a:p>
@@ -5581,7 +5581,7 @@
           <a:p>
             <a:fld id="{4509A250-FF31-4206-8172-F9D3106AACB1}" type="datetimeFigureOut">
               <a:rPr lang="en-US" smtClean="0"/>
-              <a:t>2/1/2018</a:t>
+              <a:t>2/3/2018</a:t>
             </a:fld>
             <a:endParaRPr lang="en-US" dirty="0"/>
           </a:p>
@@ -5848,7 +5848,7 @@
           <a:p>
             <a:fld id="{9796027F-7875-4030-9381-8BD8C4F21935}" type="datetimeFigureOut">
               <a:rPr lang="en-US" smtClean="0"/>
-              <a:t>2/1/2018</a:t>
+              <a:t>2/3/2018</a:t>
             </a:fld>
             <a:endParaRPr lang="en-US" dirty="0"/>
           </a:p>
@@ -6090,7 +6090,7 @@
           <a:p>
             <a:fld id="{9796027F-7875-4030-9381-8BD8C4F21935}" type="datetimeFigureOut">
               <a:rPr lang="en-US" smtClean="0"/>
-              <a:t>2/1/2018</a:t>
+              <a:t>2/3/2018</a:t>
             </a:fld>
             <a:endParaRPr lang="en-US" dirty="0"/>
           </a:p>
@@ -6498,7 +6498,7 @@
           <a:p>
             <a:fld id="{9796027F-7875-4030-9381-8BD8C4F21935}" type="datetimeFigureOut">
               <a:rPr lang="en-US" smtClean="0"/>
-              <a:t>2/1/2018</a:t>
+              <a:t>2/3/2018</a:t>
             </a:fld>
             <a:endParaRPr lang="en-US" dirty="0"/>
           </a:p>
@@ -6631,7 +6631,7 @@
           <a:p>
             <a:fld id="{4509A250-FF31-4206-8172-F9D3106AACB1}" type="datetimeFigureOut">
               <a:rPr lang="en-US" smtClean="0"/>
-              <a:t>2/1/2018</a:t>
+              <a:t>2/3/2018</a:t>
             </a:fld>
             <a:endParaRPr lang="en-US" dirty="0"/>
           </a:p>
@@ -6736,7 +6736,7 @@
           <a:p>
             <a:fld id="{4509A250-FF31-4206-8172-F9D3106AACB1}" type="datetimeFigureOut">
               <a:rPr lang="en-US" smtClean="0"/>
-              <a:t>2/1/2018</a:t>
+              <a:t>2/3/2018</a:t>
             </a:fld>
             <a:endParaRPr lang="en-US" dirty="0"/>
           </a:p>
@@ -7018,7 +7018,7 @@
           <a:p>
             <a:fld id="{4509A250-FF31-4206-8172-F9D3106AACB1}" type="datetimeFigureOut">
               <a:rPr lang="en-US" smtClean="0"/>
-              <a:t>2/1/2018</a:t>
+              <a:t>2/3/2018</a:t>
             </a:fld>
             <a:endParaRPr lang="en-US" dirty="0"/>
           </a:p>
@@ -7314,7 +7314,7 @@
           <a:p>
             <a:fld id="{4509A250-FF31-4206-8172-F9D3106AACB1}" type="datetimeFigureOut">
               <a:rPr lang="en-US" smtClean="0"/>
-              <a:t>2/1/2018</a:t>
+              <a:t>2/3/2018</a:t>
             </a:fld>
             <a:endParaRPr lang="en-US" dirty="0"/>
           </a:p>
@@ -7564,7 +7564,7 @@
           <a:p>
             <a:fld id="{4AAD347D-5ACD-4C99-B74B-A9C85AD731AF}" type="datetimeFigureOut">
               <a:rPr lang="en-US" smtClean="0"/>
-              <a:t>2/1/2018</a:t>
+              <a:t>2/3/2018</a:t>
             </a:fld>
             <a:endParaRPr lang="en-US" dirty="0"/>
           </a:p>
@@ -10313,7 +10313,7 @@
           <p:cNvPr id="2" name="Title 1">
             <a:extLst>
               <a:ext uri="{FF2B5EF4-FFF2-40B4-BE49-F238E27FC236}">
-                <a16:creationId xmlns:a16="http://schemas.microsoft.com/office/drawing/2014/main" id="{EB394B5C-DE76-4A04-94C1-5AE8D00F9080}"/>
+                <a16:creationId xmlns:a16="http://schemas.microsoft.com/office/drawing/2014/main" id="{249FE59E-409B-4A07-9C47-0993C6FB9C6F}"/>
               </a:ext>
             </a:extLst>
           </p:cNvPr>
@@ -10333,7 +10333,7 @@
           <a:p>
             <a:r>
               <a:rPr lang="en-US" dirty="0"/>
-              <a:t>Caesar Cipher Example</a:t>
+              <a:t>Math Library Example</a:t>
             </a:r>
           </a:p>
         </p:txBody>
@@ -10343,7 +10343,7 @@
           <p:cNvPr id="3" name="Text Placeholder 2">
             <a:extLst>
               <a:ext uri="{FF2B5EF4-FFF2-40B4-BE49-F238E27FC236}">
-                <a16:creationId xmlns:a16="http://schemas.microsoft.com/office/drawing/2014/main" id="{7D99599F-9D91-4780-A5B4-ECB96C0A1513}"/>
+                <a16:creationId xmlns:a16="http://schemas.microsoft.com/office/drawing/2014/main" id="{4BEE7AF1-FE76-4E03-9FD2-E3145126AE2A}"/>
               </a:ext>
             </a:extLst>
           </p:cNvPr>
@@ -10359,14 +10359,43 @@
           <a:bodyPr/>
           <a:lstStyle/>
           <a:p>
-            <a:endParaRPr lang="en-US"/>
+            <a:r>
+              <a:rPr lang="en-US" dirty="0"/>
+              <a:t>import math</a:t>
+            </a:r>
+          </a:p>
+          <a:p>
+            <a:r>
+              <a:rPr lang="en-US" dirty="0"/>
+              <a:t>radius = 3</a:t>
+            </a:r>
+          </a:p>
+          <a:p>
+            <a:r>
+              <a:rPr lang="en-US" dirty="0"/>
+              <a:t>area = </a:t>
+            </a:r>
+            <a:r>
+              <a:rPr lang="en-US" dirty="0" err="1"/>
+              <a:t>math.pi</a:t>
+            </a:r>
+            <a:r>
+              <a:rPr lang="en-US" dirty="0"/>
+              <a:t> * radius ** 2</a:t>
+            </a:r>
+          </a:p>
+          <a:p>
+            <a:r>
+              <a:rPr lang="en-US" dirty="0"/>
+              <a:t>print(area)</a:t>
+            </a:r>
           </a:p>
         </p:txBody>
       </p:sp>
     </p:spTree>
     <p:extLst>
       <p:ext uri="{BB962C8B-B14F-4D97-AF65-F5344CB8AC3E}">
-        <p14:creationId xmlns:p14="http://schemas.microsoft.com/office/powerpoint/2010/main" val="3781938060"/>
+        <p14:creationId xmlns:p14="http://schemas.microsoft.com/office/powerpoint/2010/main" val="3670459218"/>
       </p:ext>
     </p:extLst>
   </p:cSld>
@@ -10398,7 +10427,7 @@
           <p:cNvPr id="2" name="Title 1">
             <a:extLst>
               <a:ext uri="{FF2B5EF4-FFF2-40B4-BE49-F238E27FC236}">
-                <a16:creationId xmlns:a16="http://schemas.microsoft.com/office/drawing/2014/main" id="{249FE59E-409B-4A07-9C47-0993C6FB9C6F}"/>
+                <a16:creationId xmlns:a16="http://schemas.microsoft.com/office/drawing/2014/main" id="{D298FAD4-D7CC-4080-B08C-97DA72269858}"/>
               </a:ext>
             </a:extLst>
           </p:cNvPr>
@@ -10425,7 +10454,7 @@
           <p:cNvPr id="3" name="Text Placeholder 2">
             <a:extLst>
               <a:ext uri="{FF2B5EF4-FFF2-40B4-BE49-F238E27FC236}">
-                <a16:creationId xmlns:a16="http://schemas.microsoft.com/office/drawing/2014/main" id="{4BEE7AF1-FE76-4E03-9FD2-E3145126AE2A}"/>
+                <a16:creationId xmlns:a16="http://schemas.microsoft.com/office/drawing/2014/main" id="{FDE592FD-0B08-409C-B7E7-A5D013F0D796}"/>
               </a:ext>
             </a:extLst>
           </p:cNvPr>
@@ -10441,14 +10470,67 @@
           <a:bodyPr/>
           <a:lstStyle/>
           <a:p>
-            <a:endParaRPr lang="en-US"/>
+            <a:pPr marL="114300" indent="0">
+              <a:buNone/>
+            </a:pPr>
+            <a:r>
+              <a:rPr lang="en-US" dirty="0"/>
+              <a:t>import math</a:t>
+            </a:r>
+          </a:p>
+          <a:p>
+            <a:pPr marL="114300" indent="0">
+              <a:buNone/>
+            </a:pPr>
+            <a:r>
+              <a:rPr lang="en-US" dirty="0" err="1"/>
+              <a:t>num</a:t>
+            </a:r>
+            <a:r>
+              <a:rPr lang="en-US" dirty="0"/>
+              <a:t> = 9</a:t>
+            </a:r>
+          </a:p>
+          <a:p>
+            <a:pPr marL="114300" indent="0">
+              <a:buNone/>
+            </a:pPr>
+            <a:r>
+              <a:rPr lang="en-US" dirty="0"/>
+              <a:t>root = </a:t>
+            </a:r>
+            <a:r>
+              <a:rPr lang="en-US" dirty="0" err="1"/>
+              <a:t>math.sqrt</a:t>
+            </a:r>
+            <a:r>
+              <a:rPr lang="en-US" dirty="0"/>
+              <a:t>(</a:t>
+            </a:r>
+            <a:r>
+              <a:rPr lang="en-US" dirty="0" err="1"/>
+              <a:t>num</a:t>
+            </a:r>
+            <a:r>
+              <a:rPr lang="en-US" dirty="0"/>
+              <a:t>)</a:t>
+            </a:r>
+          </a:p>
+          <a:p>
+            <a:pPr marL="114300" indent="0">
+              <a:buNone/>
+            </a:pPr>
+            <a:r>
+              <a:rPr lang="en-US" dirty="0"/>
+              <a:t>print(root)</a:t>
+            </a:r>
           </a:p>
         </p:txBody>
       </p:sp>
     </p:spTree>
     <p:extLst>
       <p:ext uri="{BB962C8B-B14F-4D97-AF65-F5344CB8AC3E}">
-        <p14:creationId xmlns:p14="http://schemas.microsoft.com/office/powerpoint/2010/main" val="3670459218"/>
+        <p14:creationId xmlns:p14="http://schemas.microsoft.com/office/powerpoint/2010/main" val="3197370024"/>
       </p:ext>
     </p:extLst>
   </p:cSld>
